--- a/Analyzing Smart Devices Fitness Data.pptx
+++ b/Analyzing Smart Devices Fitness Data.pptx
@@ -315,7 +315,7 @@
           <a:p>
             <a:fld id="{2B192040-6BC8-4896-A4B7-3224F37CEF08}" type="datetimeFigureOut">
               <a:rPr lang="en-IN" smtClean="0"/>
-              <a:t>05-01-2023</a:t>
+              <a:t>10-02-2024</a:t>
             </a:fld>
             <a:endParaRPr lang="en-IN"/>
           </a:p>
@@ -653,7 +653,7 @@
           <a:p>
             <a:fld id="{2B192040-6BC8-4896-A4B7-3224F37CEF08}" type="datetimeFigureOut">
               <a:rPr lang="en-IN" smtClean="0"/>
-              <a:t>05-01-2023</a:t>
+              <a:t>10-02-2024</a:t>
             </a:fld>
             <a:endParaRPr lang="en-IN"/>
           </a:p>
@@ -1054,7 +1054,7 @@
           <a:p>
             <a:fld id="{2B192040-6BC8-4896-A4B7-3224F37CEF08}" type="datetimeFigureOut">
               <a:rPr lang="en-IN" smtClean="0"/>
-              <a:t>05-01-2023</a:t>
+              <a:t>10-02-2024</a:t>
             </a:fld>
             <a:endParaRPr lang="en-IN"/>
           </a:p>
@@ -1390,7 +1390,7 @@
           <a:p>
             <a:fld id="{2B192040-6BC8-4896-A4B7-3224F37CEF08}" type="datetimeFigureOut">
               <a:rPr lang="en-IN" smtClean="0"/>
-              <a:t>05-01-2023</a:t>
+              <a:t>10-02-2024</a:t>
             </a:fld>
             <a:endParaRPr lang="en-IN"/>
           </a:p>
@@ -1710,7 +1710,7 @@
           <a:p>
             <a:fld id="{2B192040-6BC8-4896-A4B7-3224F37CEF08}" type="datetimeFigureOut">
               <a:rPr lang="en-IN" smtClean="0"/>
-              <a:t>05-01-2023</a:t>
+              <a:t>10-02-2024</a:t>
             </a:fld>
             <a:endParaRPr lang="en-IN"/>
           </a:p>
@@ -2106,7 +2106,7 @@
           <a:p>
             <a:fld id="{2B192040-6BC8-4896-A4B7-3224F37CEF08}" type="datetimeFigureOut">
               <a:rPr lang="en-IN" smtClean="0"/>
-              <a:t>05-01-2023</a:t>
+              <a:t>10-02-2024</a:t>
             </a:fld>
             <a:endParaRPr lang="en-IN"/>
           </a:p>
@@ -2363,7 +2363,7 @@
           <a:p>
             <a:fld id="{2B192040-6BC8-4896-A4B7-3224F37CEF08}" type="datetimeFigureOut">
               <a:rPr lang="en-IN" smtClean="0"/>
-              <a:t>05-01-2023</a:t>
+              <a:t>10-02-2024</a:t>
             </a:fld>
             <a:endParaRPr lang="en-IN"/>
           </a:p>
@@ -2625,7 +2625,7 @@
           <a:p>
             <a:fld id="{2B192040-6BC8-4896-A4B7-3224F37CEF08}" type="datetimeFigureOut">
               <a:rPr lang="en-IN" smtClean="0"/>
-              <a:t>05-01-2023</a:t>
+              <a:t>10-02-2024</a:t>
             </a:fld>
             <a:endParaRPr lang="en-IN"/>
           </a:p>
@@ -2887,7 +2887,7 @@
           <a:p>
             <a:fld id="{2B192040-6BC8-4896-A4B7-3224F37CEF08}" type="datetimeFigureOut">
               <a:rPr lang="en-IN" smtClean="0"/>
-              <a:t>05-01-2023</a:t>
+              <a:t>10-02-2024</a:t>
             </a:fld>
             <a:endParaRPr lang="en-IN"/>
           </a:p>
@@ -3216,7 +3216,7 @@
           <a:p>
             <a:fld id="{2B192040-6BC8-4896-A4B7-3224F37CEF08}" type="datetimeFigureOut">
               <a:rPr lang="en-IN" smtClean="0"/>
-              <a:t>05-01-2023</a:t>
+              <a:t>10-02-2024</a:t>
             </a:fld>
             <a:endParaRPr lang="en-IN"/>
           </a:p>
@@ -3539,7 +3539,7 @@
           <a:p>
             <a:fld id="{2B192040-6BC8-4896-A4B7-3224F37CEF08}" type="datetimeFigureOut">
               <a:rPr lang="en-IN" smtClean="0"/>
-              <a:t>05-01-2023</a:t>
+              <a:t>10-02-2024</a:t>
             </a:fld>
             <a:endParaRPr lang="en-IN"/>
           </a:p>
@@ -3996,7 +3996,7 @@
           <a:p>
             <a:fld id="{2B192040-6BC8-4896-A4B7-3224F37CEF08}" type="datetimeFigureOut">
               <a:rPr lang="en-IN" smtClean="0"/>
-              <a:t>05-01-2023</a:t>
+              <a:t>10-02-2024</a:t>
             </a:fld>
             <a:endParaRPr lang="en-IN"/>
           </a:p>
@@ -4201,7 +4201,7 @@
           <a:p>
             <a:fld id="{2B192040-6BC8-4896-A4B7-3224F37CEF08}" type="datetimeFigureOut">
               <a:rPr lang="en-IN" smtClean="0"/>
-              <a:t>05-01-2023</a:t>
+              <a:t>10-02-2024</a:t>
             </a:fld>
             <a:endParaRPr lang="en-IN"/>
           </a:p>
@@ -4378,7 +4378,7 @@
           <a:p>
             <a:fld id="{2B192040-6BC8-4896-A4B7-3224F37CEF08}" type="datetimeFigureOut">
               <a:rPr lang="en-IN" smtClean="0"/>
-              <a:t>05-01-2023</a:t>
+              <a:t>10-02-2024</a:t>
             </a:fld>
             <a:endParaRPr lang="en-IN"/>
           </a:p>
@@ -4711,7 +4711,7 @@
           <a:p>
             <a:fld id="{2B192040-6BC8-4896-A4B7-3224F37CEF08}" type="datetimeFigureOut">
               <a:rPr lang="en-IN" smtClean="0"/>
-              <a:t>05-01-2023</a:t>
+              <a:t>10-02-2024</a:t>
             </a:fld>
             <a:endParaRPr lang="en-IN"/>
           </a:p>
@@ -5056,7 +5056,7 @@
           <a:p>
             <a:fld id="{2B192040-6BC8-4896-A4B7-3224F37CEF08}" type="datetimeFigureOut">
               <a:rPr lang="en-IN" smtClean="0"/>
-              <a:t>05-01-2023</a:t>
+              <a:t>10-02-2024</a:t>
             </a:fld>
             <a:endParaRPr lang="en-IN"/>
           </a:p>
@@ -7173,7 +7173,7 @@
           <a:p>
             <a:fld id="{2B192040-6BC8-4896-A4B7-3224F37CEF08}" type="datetimeFigureOut">
               <a:rPr lang="en-IN" smtClean="0"/>
-              <a:t>05-01-2023</a:t>
+              <a:t>10-02-2024</a:t>
             </a:fld>
             <a:endParaRPr lang="en-IN"/>
           </a:p>
@@ -8975,70 +8975,52 @@
           </a:p>
         </p:txBody>
       </p:sp>
-      <p:graphicFrame>
-        <p:nvGraphicFramePr>
-          <p:cNvPr id="5" name="Content Placeholder 4">
+      <p:sp>
+        <p:nvSpPr>
+          <p:cNvPr id="4" name="Content Placeholder 3">
             <a:extLst>
               <a:ext uri="{FF2B5EF4-FFF2-40B4-BE49-F238E27FC236}">
-                <a16:creationId xmlns:a16="http://schemas.microsoft.com/office/drawing/2014/main" id="{D412DA55-8D20-4FFA-B4B6-0D2F7CF643C3}"/>
+                <a16:creationId xmlns:a16="http://schemas.microsoft.com/office/drawing/2014/main" id="{99FE464E-553C-A345-3357-F134937D5B0C}"/>
               </a:ext>
             </a:extLst>
           </p:cNvPr>
-          <p:cNvGraphicFramePr>
-            <a:graphicFrameLocks noGrp="1" noChangeAspect="1"/>
-          </p:cNvGraphicFramePr>
+          <p:cNvSpPr>
+            <a:spLocks noGrp="1"/>
+          </p:cNvSpPr>
           <p:nvPr>
             <p:ph idx="1"/>
-            <p:extLst>
-              <p:ext uri="{D42A27DB-BD31-4B8C-83A1-F6EECF244321}">
-                <p14:modId xmlns:p14="http://schemas.microsoft.com/office/powerpoint/2010/main" val="1859480643"/>
-              </p:ext>
-            </p:extLst>
-          </p:nvPr>
-        </p:nvGraphicFramePr>
-        <p:xfrm>
-          <a:off x="2589213" y="3186113"/>
-          <a:ext cx="8915400" cy="1673225"/>
-        </p:xfrm>
-        <a:graphic>
-          <a:graphicData uri="http://schemas.openxmlformats.org/presentationml/2006/ole">
-            <mc:AlternateContent xmlns:mc="http://schemas.openxmlformats.org/markup-compatibility/2006">
-              <mc:Choice xmlns:v="urn:schemas-microsoft-com:vml" Requires="v">
-                <p:oleObj name="Packager Shell Object" showAsIcon="1" r:id="rId2" imgW="2334960" imgH="437400" progId="Package">
-                  <p:embed/>
-                </p:oleObj>
-              </mc:Choice>
-              <mc:Fallback>
-                <p:oleObj name="Packager Shell Object" showAsIcon="1" r:id="rId2" imgW="2334960" imgH="437400" progId="Package">
-                  <p:embed/>
-                  <p:pic>
-                    <p:nvPicPr>
-                      <p:cNvPr id="0" name=""/>
-                      <p:cNvPicPr/>
-                      <p:nvPr/>
-                    </p:nvPicPr>
-                    <p:blipFill>
-                      <a:blip r:embed="rId3"/>
-                      <a:stretch>
-                        <a:fillRect/>
-                      </a:stretch>
-                    </p:blipFill>
-                    <p:spPr>
-                      <a:xfrm>
-                        <a:off x="2589213" y="3186113"/>
-                        <a:ext cx="8915400" cy="1673225"/>
-                      </a:xfrm>
-                      <a:prstGeom prst="rect">
-                        <a:avLst/>
-                      </a:prstGeom>
-                    </p:spPr>
-                  </p:pic>
-                </p:oleObj>
-              </mc:Fallback>
-            </mc:AlternateContent>
-          </a:graphicData>
-        </a:graphic>
-      </p:graphicFrame>
+          </p:nvPr>
+        </p:nvSpPr>
+        <p:spPr/>
+        <p:txBody>
+          <a:bodyPr/>
+          <a:lstStyle/>
+          <a:p>
+            <a:r>
+              <a:rPr lang="en-US" dirty="0"/>
+              <a:t>Git Hub link for project related documents</a:t>
+            </a:r>
+          </a:p>
+          <a:p>
+            <a:pPr marL="0" indent="0">
+              <a:buNone/>
+            </a:pPr>
+            <a:r>
+              <a:rPr lang="en-IN" dirty="0">
+                <a:hlinkClick r:id="rId2"/>
+              </a:rPr>
+              <a:t>https://github.com/debsandipagt/Project_Analyzing-Smart-Devices-Fitness-Data.git</a:t>
+            </a:r>
+            <a:endParaRPr lang="en-US"/>
+          </a:p>
+          <a:p>
+            <a:pPr marL="0" indent="0">
+              <a:buNone/>
+            </a:pPr>
+            <a:endParaRPr lang="en-IN"/>
+          </a:p>
+        </p:txBody>
+      </p:sp>
     </p:spTree>
     <p:extLst>
       <p:ext uri="{BB962C8B-B14F-4D97-AF65-F5344CB8AC3E}">
